--- a/docs/diagrams/UndoRedoSequenceDiagram.pptx
+++ b/docs/diagrams/UndoRedoSequenceDiagram.pptx
@@ -126,10 +126,6 @@
 </p:presentation>
 </file>
 
-<file path=ppt/revisionInfo.xml><?xml version="1.0" encoding="utf-8"?>
-<p1510:revInfo xmlns:a="http://schemas.openxmlformats.org/drawingml/2006/main" xmlns:r="http://schemas.openxmlformats.org/officeDocument/2006/relationships" xmlns:p1510="http://schemas.microsoft.com/office/powerpoint/2015/10/main"/>
-</file>
-
 <file path=ppt/notesMasters/notesMaster1.xml><?xml version="1.0" encoding="utf-8"?>
 <p:notesMaster xmlns:a="http://schemas.openxmlformats.org/drawingml/2006/main" xmlns:r="http://schemas.openxmlformats.org/officeDocument/2006/relationships" xmlns:p="http://schemas.openxmlformats.org/presentationml/2006/main">
   <p:cSld>
@@ -212,7 +208,7 @@
           <a:p>
             <a:fld id="{F5CC4B3F-88C1-4FFA-B1B6-F41C21DC6924}" type="datetimeFigureOut">
               <a:rPr lang="en-US" smtClean="0"/>
-              <a:t>7/6/2018</a:t>
+              <a:t>11/11/2018</a:t>
             </a:fld>
             <a:endParaRPr lang="en-US"/>
           </a:p>
@@ -658,7 +654,7 @@
           <a:p>
             <a:fld id="{78C97017-6FC3-485B-9764-EAC9E56C1D49}" type="datetimeFigureOut">
               <a:rPr lang="en-US" smtClean="0"/>
-              <a:t>7/6/2018</a:t>
+              <a:t>11/11/2018</a:t>
             </a:fld>
             <a:endParaRPr lang="en-US"/>
           </a:p>
@@ -826,7 +822,7 @@
           <a:p>
             <a:fld id="{78C97017-6FC3-485B-9764-EAC9E56C1D49}" type="datetimeFigureOut">
               <a:rPr lang="en-US" smtClean="0"/>
-              <a:t>7/6/2018</a:t>
+              <a:t>11/11/2018</a:t>
             </a:fld>
             <a:endParaRPr lang="en-US"/>
           </a:p>
@@ -1004,7 +1000,7 @@
           <a:p>
             <a:fld id="{78C97017-6FC3-485B-9764-EAC9E56C1D49}" type="datetimeFigureOut">
               <a:rPr lang="en-US" smtClean="0"/>
-              <a:t>7/6/2018</a:t>
+              <a:t>11/11/2018</a:t>
             </a:fld>
             <a:endParaRPr lang="en-US"/>
           </a:p>
@@ -1172,7 +1168,7 @@
           <a:p>
             <a:fld id="{78C97017-6FC3-485B-9764-EAC9E56C1D49}" type="datetimeFigureOut">
               <a:rPr lang="en-US" smtClean="0"/>
-              <a:t>7/6/2018</a:t>
+              <a:t>11/11/2018</a:t>
             </a:fld>
             <a:endParaRPr lang="en-US"/>
           </a:p>
@@ -1417,7 +1413,7 @@
           <a:p>
             <a:fld id="{78C97017-6FC3-485B-9764-EAC9E56C1D49}" type="datetimeFigureOut">
               <a:rPr lang="en-US" smtClean="0"/>
-              <a:t>7/6/2018</a:t>
+              <a:t>11/11/2018</a:t>
             </a:fld>
             <a:endParaRPr lang="en-US"/>
           </a:p>
@@ -1702,7 +1698,7 @@
           <a:p>
             <a:fld id="{78C97017-6FC3-485B-9764-EAC9E56C1D49}" type="datetimeFigureOut">
               <a:rPr lang="en-US" smtClean="0"/>
-              <a:t>7/6/2018</a:t>
+              <a:t>11/11/2018</a:t>
             </a:fld>
             <a:endParaRPr lang="en-US"/>
           </a:p>
@@ -2121,7 +2117,7 @@
           <a:p>
             <a:fld id="{78C97017-6FC3-485B-9764-EAC9E56C1D49}" type="datetimeFigureOut">
               <a:rPr lang="en-US" smtClean="0"/>
-              <a:t>7/6/2018</a:t>
+              <a:t>11/11/2018</a:t>
             </a:fld>
             <a:endParaRPr lang="en-US"/>
           </a:p>
@@ -2238,7 +2234,7 @@
           <a:p>
             <a:fld id="{78C97017-6FC3-485B-9764-EAC9E56C1D49}" type="datetimeFigureOut">
               <a:rPr lang="en-US" smtClean="0"/>
-              <a:t>7/6/2018</a:t>
+              <a:t>11/11/2018</a:t>
             </a:fld>
             <a:endParaRPr lang="en-US"/>
           </a:p>
@@ -2333,7 +2329,7 @@
           <a:p>
             <a:fld id="{78C97017-6FC3-485B-9764-EAC9E56C1D49}" type="datetimeFigureOut">
               <a:rPr lang="en-US" smtClean="0"/>
-              <a:t>7/6/2018</a:t>
+              <a:t>11/11/2018</a:t>
             </a:fld>
             <a:endParaRPr lang="en-US"/>
           </a:p>
@@ -2608,7 +2604,7 @@
           <a:p>
             <a:fld id="{78C97017-6FC3-485B-9764-EAC9E56C1D49}" type="datetimeFigureOut">
               <a:rPr lang="en-US" smtClean="0"/>
-              <a:t>7/6/2018</a:t>
+              <a:t>11/11/2018</a:t>
             </a:fld>
             <a:endParaRPr lang="en-US"/>
           </a:p>
@@ -2860,7 +2856,7 @@
           <a:p>
             <a:fld id="{78C97017-6FC3-485B-9764-EAC9E56C1D49}" type="datetimeFigureOut">
               <a:rPr lang="en-US" smtClean="0"/>
-              <a:t>7/6/2018</a:t>
+              <a:t>11/11/2018</a:t>
             </a:fld>
             <a:endParaRPr lang="en-US"/>
           </a:p>
@@ -3071,7 +3067,7 @@
           <a:p>
             <a:fld id="{78C97017-6FC3-485B-9764-EAC9E56C1D49}" type="datetimeFigureOut">
               <a:rPr lang="en-US" smtClean="0"/>
-              <a:t>7/6/2018</a:t>
+              <a:t>11/11/2018</a:t>
             </a:fld>
             <a:endParaRPr lang="en-US"/>
           </a:p>
@@ -3770,18 +3766,18 @@
                   <a:schemeClr val="bg1"/>
                 </a:solidFill>
               </a:rPr>
-              <a:t>:Address</a:t>
+              <a:t>:Inventory</a:t>
             </a:r>
           </a:p>
           <a:p>
             <a:pPr algn="ctr"/>
             <a:r>
-              <a:rPr lang="en-US" sz="1600" dirty="0" err="1">
+              <a:rPr lang="en-US" sz="1600" dirty="0">
                 <a:solidFill>
                   <a:schemeClr val="bg1"/>
                 </a:solidFill>
               </a:rPr>
-              <a:t>BookParser</a:t>
+              <a:t>Parser</a:t>
             </a:r>
             <a:endParaRPr lang="en-SG" sz="1600" dirty="0">
               <a:solidFill>
@@ -4286,7 +4282,7 @@
         </p:nvSpPr>
         <p:spPr>
           <a:xfrm>
-            <a:off x="5651548" y="2748246"/>
+            <a:off x="5559922" y="2748246"/>
             <a:ext cx="1298078" cy="184666"/>
           </a:xfrm>
           <a:prstGeom prst="rect">
@@ -4319,20 +4315,14 @@
                   </a:schemeClr>
                 </a:solidFill>
               </a:rPr>
-              <a:t>undo</a:t>
-            </a:r>
-            <a:r>
-              <a:rPr lang="en-US" sz="1200" dirty="0" err="1">
-                <a:solidFill>
-                  <a:srgbClr val="7030A0"/>
-                </a:solidFill>
-              </a:rPr>
-              <a:t>AddressBook</a:t>
+              <a:t>undoInventory</a:t>
             </a:r>
             <a:r>
               <a:rPr lang="en-US" sz="1200" dirty="0">
                 <a:solidFill>
-                  <a:srgbClr val="7030A0"/>
+                  <a:schemeClr val="accent4">
+                    <a:lumMod val="75000"/>
+                  </a:schemeClr>
                 </a:solidFill>
               </a:rPr>
               <a:t>()</a:t>
@@ -4522,7 +4512,7 @@
                   <a:schemeClr val="bg1"/>
                 </a:solidFill>
               </a:rPr>
-              <a:t>VersionedAddressBook</a:t>
+              <a:t>VersionedInventory</a:t>
             </a:r>
             <a:endParaRPr lang="en-SG" sz="1600" dirty="0">
               <a:solidFill>
@@ -4576,46 +4566,6 @@
           <a:p>
             <a:pPr algn="ctr"/>
             <a:endParaRPr lang="en-SG" sz="1400"/>
-          </a:p>
-        </p:txBody>
-      </p:sp>
-      <p:sp>
-        <p:nvSpPr>
-          <p:cNvPr id="93" name="TextBox 92"/>
-          <p:cNvSpPr txBox="1"/>
-          <p:nvPr/>
-        </p:nvSpPr>
-        <p:spPr>
-          <a:xfrm>
-            <a:off x="2724792" y="1905793"/>
-            <a:ext cx="220343" cy="215444"/>
-          </a:xfrm>
-          <a:prstGeom prst="rect">
-            <a:avLst/>
-          </a:prstGeom>
-          <a:noFill/>
-        </p:spPr>
-        <p:txBody>
-          <a:bodyPr wrap="square" lIns="0" tIns="0" rIns="0" bIns="0" rtlCol="0">
-            <a:spAutoFit/>
-          </a:bodyPr>
-          <a:lstStyle>
-            <a:defPPr>
-              <a:defRPr lang="en-US"/>
-            </a:defPPr>
-            <a:lvl1pPr algn="r">
-              <a:defRPr sz="1400">
-                <a:solidFill>
-                  <a:srgbClr val="0070C0"/>
-                </a:solidFill>
-              </a:defRPr>
-            </a:lvl1pPr>
-          </a:lstStyle>
-          <a:p>
-            <a:r>
-              <a:rPr lang="en-US" dirty="0"/>
-              <a:t>u</a:t>
-            </a:r>
           </a:p>
         </p:txBody>
       </p:sp>
@@ -4884,7 +4834,7 @@
                   <a:schemeClr val="bg1"/>
                 </a:solidFill>
               </a:rPr>
-              <a:t>u:Undo</a:t>
+              <a:t>:Undo</a:t>
             </a:r>
             <a:br>
               <a:rPr lang="en-US" sz="1600" dirty="0">
@@ -5104,7 +5054,7 @@
                   <a:srgbClr val="7030A0"/>
                 </a:solidFill>
               </a:rPr>
-              <a:t>ReadOnlyAddressBook</a:t>
+              <a:t>ReadOnlyInventory</a:t>
             </a:r>
             <a:r>
               <a:rPr lang="en-US" sz="1200" dirty="0">
@@ -5171,7 +5121,7 @@
         </p:nvSpPr>
         <p:spPr>
           <a:xfrm>
-            <a:off x="7667691" y="2975344"/>
+            <a:off x="7467600" y="2975344"/>
             <a:ext cx="551687" cy="184666"/>
           </a:xfrm>
           <a:prstGeom prst="rect">
